--- a/2025年/周报20250103.pptx
+++ b/2025年/周报20250103.pptx
@@ -4035,8 +4035,8 @@
         </p:nvSpPr>
         <p:spPr>
           <a:xfrm>
-            <a:off x="7774305" y="7211695"/>
-            <a:ext cx="13622655" cy="4316095"/>
+            <a:off x="7774305" y="6914515"/>
+            <a:ext cx="13622655" cy="5111750"/>
           </a:xfrm>
           <a:prstGeom prst="rect">
             <a:avLst/>
@@ -4111,7 +4111,15 @@
                 <a:ea typeface="仿宋" panose="02010609060101010101" charset="-122"/>
                 <a:sym typeface="+mn-ea"/>
               </a:rPr>
-              <a:t>运行。将在未安装相应环境的电脑上进行测试。</a:t>
+              <a:t>运行。设置用户自定义运行参数，能够分割任意</a:t>
+            </a:r>
+            <a:r>
+              <a:rPr lang="zh-CN" altLang="en-US" sz="6600" b="1" dirty="0">
+                <a:latin typeface="仿宋" panose="02010609060101010101" charset="-122"/>
+                <a:ea typeface="仿宋" panose="02010609060101010101" charset="-122"/>
+                <a:sym typeface="+mn-ea"/>
+              </a:rPr>
+              <a:t>行列。将在未安装相应环境的电脑上进行测试。</a:t>
             </a:r>
             <a:endParaRPr lang="zh-CN" altLang="en-US" sz="6600" b="1" dirty="0">
               <a:latin typeface="仿宋" panose="02010609060101010101" charset="-122"/>
